--- a/DEVSQL_12_StatisticsAndJOINS/DEVSQL_12A_Statistics.pptx
+++ b/DEVSQL_12_StatisticsAndJOINS/DEVSQL_12A_Statistics.pptx
@@ -5,7 +5,7 @@
     <p:sldMasterId id="2147483903" r:id="rId1"/>
   </p:sldMasterIdLst>
   <p:notesMasterIdLst>
-    <p:notesMasterId r:id="rId11"/>
+    <p:notesMasterId r:id="rId12"/>
   </p:notesMasterIdLst>
   <p:sldIdLst>
     <p:sldId id="256" r:id="rId2"/>
@@ -16,7 +16,8 @@
     <p:sldId id="333" r:id="rId7"/>
     <p:sldId id="329" r:id="rId8"/>
     <p:sldId id="328" r:id="rId9"/>
-    <p:sldId id="332" r:id="rId10"/>
+    <p:sldId id="334" r:id="rId10"/>
+    <p:sldId id="332" r:id="rId11"/>
   </p:sldIdLst>
   <p:sldSz cx="12192000" cy="6858000"/>
   <p:notesSz cx="6858000" cy="9144000"/>
@@ -146,10 +147,6 @@
 </p:cmAuthorLst>
 </file>
 
-<file path=ppt/revisionInfo.xml><?xml version="1.0" encoding="utf-8"?>
-<p1510:revInfo xmlns:a="http://schemas.openxmlformats.org/drawingml/2006/main" xmlns:r="http://schemas.openxmlformats.org/officeDocument/2006/relationships" xmlns:p1510="http://schemas.microsoft.com/office/powerpoint/2015/10/main"/>
-</file>
-
 <file path=ppt/notesMasters/notesMaster1.xml><?xml version="1.0" encoding="utf-8"?>
 <p:notesMaster xmlns:a="http://schemas.openxmlformats.org/drawingml/2006/main" xmlns:r="http://schemas.openxmlformats.org/officeDocument/2006/relationships" xmlns:p="http://schemas.openxmlformats.org/presentationml/2006/main">
   <p:cSld>
@@ -232,7 +229,7 @@
           <a:p>
             <a:fld id="{A72FB546-F199-4B4F-99BF-57E72CB8BE0D}" type="datetimeFigureOut">
               <a:rPr lang="en-GB" smtClean="0"/>
-              <a:t>28/10/2018</a:t>
+              <a:t>21/11/2018</a:t>
             </a:fld>
             <a:endParaRPr lang="en-GB"/>
           </a:p>
@@ -808,7 +805,7 @@
           <a:p>
             <a:fld id="{7E6511AE-6BCB-4398-BD1D-05D3C2F0054D}" type="datetime1">
               <a:rPr lang="en-US" smtClean="0"/>
-              <a:t>10/28/2018</a:t>
+              <a:t>11/21/2018</a:t>
             </a:fld>
             <a:endParaRPr lang="en-US" dirty="0"/>
           </a:p>
@@ -830,7 +827,7 @@
           <a:lstStyle/>
           <a:p>
             <a:r>
-              <a:rPr lang="en-US" smtClean="0"/>
+              <a:rPr lang="en-US"/>
               <a:t>Developing SQL Databases</a:t>
             </a:r>
             <a:endParaRPr lang="en-US" dirty="0"/>
@@ -983,7 +980,7 @@
           <a:p>
             <a:fld id="{E827D97C-24C0-4B5C-A80E-40B39BAAE63F}" type="datetime1">
               <a:rPr lang="en-US" smtClean="0"/>
-              <a:t>10/28/2018</a:t>
+              <a:t>11/21/2018</a:t>
             </a:fld>
             <a:endParaRPr lang="en-US" dirty="0"/>
           </a:p>
@@ -1005,7 +1002,7 @@
           <a:lstStyle/>
           <a:p>
             <a:r>
-              <a:rPr lang="en-US" smtClean="0"/>
+              <a:rPr lang="en-US"/>
               <a:t>Developing SQL Databases</a:t>
             </a:r>
             <a:endParaRPr lang="en-US" dirty="0"/>
@@ -1167,7 +1164,7 @@
           <a:p>
             <a:fld id="{FE028B01-4AE9-4A0A-B62F-5725ABC501C9}" type="datetime1">
               <a:rPr lang="en-US" smtClean="0"/>
-              <a:t>10/28/2018</a:t>
+              <a:t>11/21/2018</a:t>
             </a:fld>
             <a:endParaRPr lang="en-US" dirty="0"/>
           </a:p>
@@ -1189,7 +1186,7 @@
           <a:lstStyle/>
           <a:p>
             <a:r>
-              <a:rPr lang="en-US" smtClean="0"/>
+              <a:rPr lang="en-US"/>
               <a:t>Developing SQL Databases</a:t>
             </a:r>
             <a:endParaRPr lang="en-US" dirty="0"/>
@@ -1341,7 +1338,7 @@
           <a:p>
             <a:fld id="{39EA180A-DC18-44AA-B9F3-A0200DF07BA4}" type="datetime1">
               <a:rPr lang="en-US" smtClean="0"/>
-              <a:t>10/28/2018</a:t>
+              <a:t>11/21/2018</a:t>
             </a:fld>
             <a:endParaRPr lang="en-US" dirty="0"/>
           </a:p>
@@ -1363,7 +1360,7 @@
           <a:lstStyle/>
           <a:p>
             <a:r>
-              <a:rPr lang="en-US" smtClean="0"/>
+              <a:rPr lang="en-US"/>
               <a:t>Developing SQL Databases</a:t>
             </a:r>
             <a:endParaRPr lang="en-US" dirty="0"/>
@@ -1603,7 +1600,7 @@
           <a:p>
             <a:fld id="{25161C3B-B11B-40E4-B871-625D84AA5354}" type="datetime1">
               <a:rPr lang="en-US" smtClean="0"/>
-              <a:t>10/28/2018</a:t>
+              <a:t>11/21/2018</a:t>
             </a:fld>
             <a:endParaRPr lang="en-US" dirty="0"/>
           </a:p>
@@ -1625,7 +1622,7 @@
           <a:lstStyle/>
           <a:p>
             <a:r>
-              <a:rPr lang="en-US" smtClean="0"/>
+              <a:rPr lang="en-US"/>
               <a:t>Developing SQL Databases</a:t>
             </a:r>
             <a:endParaRPr lang="en-US" dirty="0"/>
@@ -1896,7 +1893,7 @@
           <a:p>
             <a:fld id="{52C5C65C-1186-419E-BFAD-013A26325DC4}" type="datetime1">
               <a:rPr lang="en-US" smtClean="0"/>
-              <a:t>10/28/2018</a:t>
+              <a:t>11/21/2018</a:t>
             </a:fld>
             <a:endParaRPr lang="en-US" dirty="0"/>
           </a:p>
@@ -1918,7 +1915,7 @@
           <a:lstStyle/>
           <a:p>
             <a:r>
-              <a:rPr lang="en-US" smtClean="0"/>
+              <a:rPr lang="en-US"/>
               <a:t>Developing SQL Databases</a:t>
             </a:r>
             <a:endParaRPr lang="en-US" dirty="0"/>
@@ -2342,7 +2339,7 @@
           <a:p>
             <a:fld id="{E742CAA8-724E-40CD-8301-50632B6CF5B7}" type="datetime1">
               <a:rPr lang="en-US" smtClean="0"/>
-              <a:t>10/28/2018</a:t>
+              <a:t>11/21/2018</a:t>
             </a:fld>
             <a:endParaRPr lang="en-US" dirty="0"/>
           </a:p>
@@ -2364,7 +2361,7 @@
           <a:lstStyle/>
           <a:p>
             <a:r>
-              <a:rPr lang="en-US" smtClean="0"/>
+              <a:rPr lang="en-US"/>
               <a:t>Developing SQL Databases</a:t>
             </a:r>
             <a:endParaRPr lang="en-US" dirty="0"/>
@@ -2464,7 +2461,7 @@
           <a:p>
             <a:fld id="{6BDDD29F-7E21-4B7A-8AE9-71115E9235FB}" type="datetime1">
               <a:rPr lang="en-US" smtClean="0"/>
-              <a:t>10/28/2018</a:t>
+              <a:t>11/21/2018</a:t>
             </a:fld>
             <a:endParaRPr lang="en-US" dirty="0"/>
           </a:p>
@@ -2486,7 +2483,7 @@
           <a:lstStyle/>
           <a:p>
             <a:r>
-              <a:rPr lang="en-US" smtClean="0"/>
+              <a:rPr lang="en-US"/>
               <a:t>Developing SQL Databases</a:t>
             </a:r>
             <a:endParaRPr lang="en-US" dirty="0"/>
@@ -2563,7 +2560,7 @@
           <a:p>
             <a:fld id="{33705AA8-CCD5-46E2-B301-A8811435A645}" type="datetime1">
               <a:rPr lang="en-US" smtClean="0"/>
-              <a:t>10/28/2018</a:t>
+              <a:t>11/21/2018</a:t>
             </a:fld>
             <a:endParaRPr lang="en-US" dirty="0"/>
           </a:p>
@@ -2585,7 +2582,7 @@
           <a:lstStyle/>
           <a:p>
             <a:r>
-              <a:rPr lang="en-US" smtClean="0"/>
+              <a:rPr lang="en-US"/>
               <a:t>Developing SQL Databases</a:t>
             </a:r>
             <a:endParaRPr lang="en-US" dirty="0"/>
@@ -2855,7 +2852,7 @@
           <a:p>
             <a:fld id="{3BE9C1F3-7BBF-43EF-A558-DABF3AA9DF34}" type="datetime1">
               <a:rPr lang="en-US" smtClean="0"/>
-              <a:t>10/28/2018</a:t>
+              <a:t>11/21/2018</a:t>
             </a:fld>
             <a:endParaRPr lang="en-US" dirty="0"/>
           </a:p>
@@ -2877,7 +2874,7 @@
           <a:lstStyle/>
           <a:p>
             <a:r>
-              <a:rPr lang="en-US" smtClean="0"/>
+              <a:rPr lang="en-US"/>
               <a:t>Developing SQL Databases</a:t>
             </a:r>
             <a:endParaRPr lang="en-US" dirty="0"/>
@@ -3133,7 +3130,7 @@
           <a:p>
             <a:fld id="{4773B028-36EF-4728-A777-B9C9CEDF1F0B}" type="datetime1">
               <a:rPr lang="en-US" smtClean="0"/>
-              <a:t>10/28/2018</a:t>
+              <a:t>11/21/2018</a:t>
             </a:fld>
             <a:endParaRPr lang="en-US" dirty="0"/>
           </a:p>
@@ -3160,7 +3157,7 @@
           <a:lstStyle/>
           <a:p>
             <a:r>
-              <a:rPr lang="en-US" smtClean="0"/>
+              <a:rPr lang="en-US"/>
               <a:t>Developing SQL Databases</a:t>
             </a:r>
             <a:endParaRPr lang="en-US" dirty="0"/>
@@ -3435,7 +3432,7 @@
           <a:p>
             <a:fld id="{0CAAE83D-2D07-4431-B231-DBDFEB77BE3B}" type="datetime1">
               <a:rPr lang="en-US" smtClean="0"/>
-              <a:t>10/28/2018</a:t>
+              <a:t>11/21/2018</a:t>
             </a:fld>
             <a:endParaRPr lang="en-US" dirty="0"/>
           </a:p>
@@ -3476,7 +3473,7 @@
           </a:lstStyle>
           <a:p>
             <a:r>
-              <a:rPr lang="en-US" smtClean="0"/>
+              <a:rPr lang="en-US"/>
               <a:t>Developing SQL Databases</a:t>
             </a:r>
             <a:endParaRPr lang="en-US" dirty="0"/>
@@ -3964,16 +3961,12 @@
           <a:lstStyle/>
           <a:p>
             <a:r>
-              <a:rPr lang="pl-PL" dirty="0" smtClean="0">
+              <a:rPr lang="pl-PL" dirty="0">
                 <a:latin typeface="Arial" panose="020B0604020202020204" pitchFamily="34" charset="0"/>
                 <a:cs typeface="Arial" panose="020B0604020202020204" pitchFamily="34" charset="0"/>
               </a:rPr>
               <a:t>Statistics</a:t>
             </a:r>
-            <a:endParaRPr lang="pl-PL" dirty="0">
-              <a:latin typeface="Arial" panose="020B0604020202020204" pitchFamily="34" charset="0"/>
-              <a:cs typeface="Arial" panose="020B0604020202020204" pitchFamily="34" charset="0"/>
-            </a:endParaRPr>
           </a:p>
         </p:txBody>
       </p:sp>
@@ -3987,13 +3980,116 @@
   <p:clrMapOvr>
     <a:masterClrMapping/>
   </p:clrMapOvr>
-  <p:timing>
-    <p:tnLst>
-      <p:par>
-        <p:cTn id="1" dur="indefinite" restart="never" nodeType="tmRoot"/>
-      </p:par>
-    </p:tnLst>
-  </p:timing>
+</p:sld>
+</file>
+
+<file path=ppt/slides/slide10.xml><?xml version="1.0" encoding="utf-8"?>
+<p:sld xmlns:a="http://schemas.openxmlformats.org/drawingml/2006/main" xmlns:r="http://schemas.openxmlformats.org/officeDocument/2006/relationships" xmlns:p="http://schemas.openxmlformats.org/presentationml/2006/main">
+  <p:cSld>
+    <p:spTree>
+      <p:nvGrpSpPr>
+        <p:cNvPr id="1" name=""/>
+        <p:cNvGrpSpPr/>
+        <p:nvPr/>
+      </p:nvGrpSpPr>
+      <p:grpSpPr>
+        <a:xfrm>
+          <a:off x="0" y="0"/>
+          <a:ext cx="0" cy="0"/>
+          <a:chOff x="0" y="0"/>
+          <a:chExt cx="0" cy="0"/>
+        </a:xfrm>
+      </p:grpSpPr>
+      <p:sp>
+        <p:nvSpPr>
+          <p:cNvPr id="9" name="pole tekstowe 8"/>
+          <p:cNvSpPr txBox="1"/>
+          <p:nvPr/>
+        </p:nvSpPr>
+        <p:spPr>
+          <a:xfrm>
+            <a:off x="489706" y="624631"/>
+            <a:ext cx="10374037" cy="1446550"/>
+          </a:xfrm>
+          <a:prstGeom prst="rect">
+            <a:avLst/>
+          </a:prstGeom>
+          <a:noFill/>
+        </p:spPr>
+        <p:txBody>
+          <a:bodyPr wrap="square" rtlCol="0">
+            <a:spAutoFit/>
+          </a:bodyPr>
+          <a:lstStyle/>
+          <a:p>
+            <a:r>
+              <a:rPr lang="pl-PL" sz="2800" b="1" dirty="0"/>
+              <a:t>LINKS:</a:t>
+            </a:r>
+            <a:endParaRPr lang="en-US" sz="2800" b="1" dirty="0"/>
+          </a:p>
+          <a:p>
+            <a:endParaRPr lang="en-US" dirty="0"/>
+          </a:p>
+          <a:p>
+            <a:r>
+              <a:rPr lang="en-US" sz="1400" dirty="0"/>
+              <a:t>https://www.red-gate.com/simple-talk/sql/performance/sql-server-statistics-basics/</a:t>
+            </a:r>
+            <a:endParaRPr lang="pl-PL" sz="1400" dirty="0"/>
+          </a:p>
+          <a:p>
+            <a:r>
+              <a:rPr lang="pl-PL" sz="1400" dirty="0"/>
+              <a:t>https://pl.seequality.net/kilka-slow-o-statistics-io-statistics-time/</a:t>
+            </a:r>
+          </a:p>
+          <a:p>
+            <a:r>
+              <a:rPr lang="pl-PL" sz="1400" dirty="0"/>
+              <a:t>https://www.databasejournal.com/features/mssql/importance-of-statistics-and-how-it-works-in-sql-server-part-1.html</a:t>
+            </a:r>
+          </a:p>
+        </p:txBody>
+      </p:sp>
+      <p:sp>
+        <p:nvSpPr>
+          <p:cNvPr id="12" name="Symbol zastępczy stopki 11"/>
+          <p:cNvSpPr>
+            <a:spLocks noGrp="1"/>
+          </p:cNvSpPr>
+          <p:nvPr>
+            <p:ph type="ftr" sz="quarter" idx="11"/>
+          </p:nvPr>
+        </p:nvSpPr>
+        <p:spPr>
+          <a:xfrm>
+            <a:off x="3869268" y="6356350"/>
+            <a:ext cx="5911517" cy="365125"/>
+          </a:xfrm>
+        </p:spPr>
+        <p:txBody>
+          <a:bodyPr/>
+          <a:lstStyle/>
+          <a:p>
+            <a:r>
+              <a:rPr lang="en-US"/>
+              <a:t>Developing SQL Databases</a:t>
+            </a:r>
+            <a:endParaRPr lang="pl-PL" dirty="0"/>
+          </a:p>
+        </p:txBody>
+      </p:sp>
+    </p:spTree>
+    <p:extLst>
+      <p:ext uri="{BB962C8B-B14F-4D97-AF65-F5344CB8AC3E}">
+        <p14:creationId xmlns:p14="http://schemas.microsoft.com/office/powerpoint/2010/main" val="738907645"/>
+      </p:ext>
+    </p:extLst>
+  </p:cSld>
+  <p:clrMapOvr>
+    <a:masterClrMapping/>
+  </p:clrMapOvr>
 </p:sld>
 </file>
 
@@ -4030,10 +4126,9 @@
           <a:lstStyle/>
           <a:p>
             <a:r>
-              <a:rPr lang="pl-PL" dirty="0" smtClean="0"/>
+              <a:rPr lang="pl-PL" dirty="0"/>
               <a:t>Statistics</a:t>
             </a:r>
-            <a:endParaRPr lang="pl-PL" dirty="0"/>
           </a:p>
         </p:txBody>
       </p:sp>
@@ -4111,10 +4206,9 @@
           <a:lstStyle/>
           <a:p>
             <a:r>
-              <a:rPr lang="en-US" dirty="0" smtClean="0"/>
+              <a:rPr lang="en-US" dirty="0"/>
               <a:t>Developing SQL Databases</a:t>
             </a:r>
-            <a:endParaRPr lang="en-US" dirty="0"/>
           </a:p>
         </p:txBody>
       </p:sp>
@@ -4128,13 +4222,6 @@
   <p:clrMapOvr>
     <a:masterClrMapping/>
   </p:clrMapOvr>
-  <p:timing>
-    <p:tnLst>
-      <p:par>
-        <p:cTn id="1" dur="indefinite" restart="never" nodeType="tmRoot"/>
-      </p:par>
-    </p:tnLst>
-  </p:timing>
 </p:sld>
 </file>
 
@@ -4198,11 +4285,7 @@
             </a:r>
             <a:r>
               <a:rPr lang="en-US" dirty="0"/>
-              <a:t>of a table or an index. The SQL Server Query Optimizer uses this statistical information to estimate the cardinality, or number of rows, in the query result to be returned, which enables the SQL Server Query Optimizer to create a high-quality query execution plan. For example, based on these statistical information SQL Server Query Optimizer might decide whether to use the index seek operator or a more resource-intensive index scan operator in order to provide optimal query performance</a:t>
-            </a:r>
-            <a:r>
-              <a:rPr lang="en-US" dirty="0" smtClean="0"/>
-              <a:t>.</a:t>
+              <a:t>of a table or an index. The SQL Server Query Optimizer uses this statistical information to estimate the cardinality, or number of rows, in the query result to be returned, which enables the SQL Server Query Optimizer to create a high-quality query execution plan. For example, based on these statistical information SQL Server Query Optimizer might decide whether to use the index seek operator or a more resource-intensive index scan operator in order to provide optimal query performance.</a:t>
             </a:r>
             <a:endParaRPr lang="pl-PL" dirty="0"/>
           </a:p>
@@ -4229,7 +4312,7 @@
           <a:lstStyle/>
           <a:p>
             <a:r>
-              <a:rPr lang="en-US" smtClean="0"/>
+              <a:rPr lang="en-US"/>
               <a:t>Developing SQL Databases</a:t>
             </a:r>
             <a:endParaRPr lang="pl-PL" dirty="0"/>
@@ -4246,13 +4329,6 @@
   <p:clrMapOvr>
     <a:masterClrMapping/>
   </p:clrMapOvr>
-  <p:timing>
-    <p:tnLst>
-      <p:par>
-        <p:cTn id="1" dur="indefinite" restart="never" nodeType="tmRoot"/>
-      </p:par>
-    </p:tnLst>
-  </p:timing>
 </p:sld>
 </file>
 
@@ -4321,48 +4397,28 @@
               <a:rPr lang="en-US" sz="1600" dirty="0"/>
               <a:t>By default, SQL Server creates statistics automatically. </a:t>
             </a:r>
-            <a:endParaRPr lang="pl-PL" sz="1600" dirty="0" smtClean="0"/>
-          </a:p>
-          <a:p>
-            <a:r>
-              <a:rPr lang="en-US" sz="1600" dirty="0" smtClean="0"/>
-              <a:t>SQL </a:t>
-            </a:r>
+            <a:endParaRPr lang="pl-PL" sz="1600" dirty="0"/>
+          </a:p>
+          <a:p>
             <a:r>
               <a:rPr lang="en-US" sz="1600" dirty="0"/>
-              <a:t>Server creates statistics for </a:t>
-            </a:r>
-            <a:r>
-              <a:rPr lang="en-US" sz="1600" dirty="0" smtClean="0"/>
-              <a:t>each</a:t>
-            </a:r>
-            <a:r>
-              <a:rPr lang="pl-PL" sz="1600" dirty="0" smtClean="0"/>
+              <a:t>SQL Server creates statistics for each</a:t>
+            </a:r>
+            <a:r>
+              <a:rPr lang="pl-PL" sz="1600" dirty="0"/>
               <a:t> </a:t>
             </a:r>
             <a:r>
-              <a:rPr lang="en-US" sz="1600" dirty="0" smtClean="0"/>
-              <a:t>index</a:t>
-            </a:r>
-            <a:r>
               <a:rPr lang="en-US" sz="1600" dirty="0"/>
-              <a:t>, and for single columns used as searchable arguments in queries. There are three </a:t>
-            </a:r>
-            <a:r>
-              <a:rPr lang="en-US" sz="1600" dirty="0" smtClean="0"/>
-              <a:t>database</a:t>
-            </a:r>
-            <a:r>
-              <a:rPr lang="pl-PL" sz="1600" dirty="0" smtClean="0"/>
+              <a:t>index, and for single columns used as searchable arguments in queries. There are three database</a:t>
+            </a:r>
+            <a:r>
+              <a:rPr lang="pl-PL" sz="1600" dirty="0"/>
               <a:t> </a:t>
             </a:r>
             <a:r>
-              <a:rPr lang="en-US" sz="1600" dirty="0" smtClean="0"/>
-              <a:t>options </a:t>
-            </a:r>
-            <a:r>
               <a:rPr lang="en-US" sz="1600" dirty="0"/>
-              <a:t>that influence the automatic creation of the statistics:</a:t>
+              <a:t>options that influence the automatic creation of the statistics:</a:t>
             </a:r>
             <a:endParaRPr lang="pl-PL" sz="1600" dirty="0"/>
           </a:p>
@@ -4575,7 +4631,7 @@
           <a:lstStyle/>
           <a:p>
             <a:r>
-              <a:rPr lang="en-US" smtClean="0"/>
+              <a:rPr lang="en-US"/>
               <a:t>Developing SQL Databases</a:t>
             </a:r>
             <a:endParaRPr lang="pl-PL" dirty="0"/>
@@ -4592,13 +4648,6 @@
   <p:clrMapOvr>
     <a:masterClrMapping/>
   </p:clrMapOvr>
-  <p:timing>
-    <p:tnLst>
-      <p:par>
-        <p:cTn id="1" dur="indefinite" restart="never" nodeType="tmRoot"/>
-      </p:par>
-    </p:tnLst>
-  </p:timing>
 </p:sld>
 </file>
 
@@ -4642,7 +4691,7 @@
           <a:lstStyle/>
           <a:p>
             <a:r>
-              <a:rPr lang="pl-PL" sz="2800" b="1" dirty="0" smtClean="0"/>
+              <a:rPr lang="pl-PL" sz="2800" b="1" dirty="0"/>
               <a:t>Statistics</a:t>
             </a:r>
             <a:endParaRPr lang="en-US" sz="2800" b="1" dirty="0"/>
@@ -4796,7 +4845,7 @@
           <a:lstStyle/>
           <a:p>
             <a:r>
-              <a:rPr lang="en-US" smtClean="0"/>
+              <a:rPr lang="en-US"/>
               <a:t>Developing SQL Databases</a:t>
             </a:r>
             <a:endParaRPr lang="pl-PL" dirty="0"/>
@@ -4813,13 +4862,6 @@
   <p:clrMapOvr>
     <a:masterClrMapping/>
   </p:clrMapOvr>
-  <p:timing>
-    <p:tnLst>
-      <p:par>
-        <p:cTn id="1" dur="indefinite" restart="never" nodeType="tmRoot"/>
-      </p:par>
-    </p:tnLst>
-  </p:timing>
 </p:sld>
 </file>
 
@@ -4863,7 +4905,7 @@
           <a:lstStyle/>
           <a:p>
             <a:r>
-              <a:rPr lang="pl-PL" sz="2800" b="1" dirty="0" smtClean="0"/>
+              <a:rPr lang="pl-PL" sz="2800" b="1" dirty="0"/>
               <a:t>Statistics Auto-UPDATE</a:t>
             </a:r>
           </a:p>
@@ -4872,14 +4914,10 @@
           </a:p>
           <a:p>
             <a:r>
-              <a:rPr lang="en-US" dirty="0" smtClean="0"/>
-              <a:t>Even </a:t>
-            </a:r>
-            <a:r>
               <a:rPr lang="en-US" dirty="0"/>
-              <a:t>when statistics are set to update automatically, SQL Server does not update statistics unless one of the following thresholds is met: </a:t>
-            </a:r>
-            <a:endParaRPr lang="pl-PL" dirty="0" smtClean="0"/>
+              <a:t>Even when statistics are set to update automatically, SQL Server does not update statistics unless one of the following thresholds is met: </a:t>
+            </a:r>
+            <a:endParaRPr lang="pl-PL" dirty="0"/>
           </a:p>
           <a:p>
             <a:endParaRPr lang="en-US" dirty="0"/>
@@ -4911,59 +4949,31 @@
             </a:pPr>
             <a:r>
               <a:rPr lang="en-US" dirty="0"/>
-              <a:t>More than 500 rows are added to a table having more than 500 rows and the </a:t>
-            </a:r>
-            <a:r>
-              <a:rPr lang="en-US" dirty="0" smtClean="0"/>
-              <a:t>number</a:t>
-            </a:r>
-            <a:r>
-              <a:rPr lang="pl-PL" dirty="0" smtClean="0"/>
+              <a:t>More than 500 rows are added to a table having more than 500 rows and the number</a:t>
+            </a:r>
+            <a:r>
+              <a:rPr lang="pl-PL" dirty="0"/>
               <a:t> </a:t>
             </a:r>
             <a:r>
-              <a:rPr lang="en-US" dirty="0" smtClean="0"/>
-              <a:t>of </a:t>
-            </a:r>
-            <a:r>
               <a:rPr lang="en-US" dirty="0"/>
-              <a:t>rows added is more than a dynamic percentage of total rows. With a small </a:t>
-            </a:r>
-            <a:r>
-              <a:rPr lang="en-US" dirty="0" smtClean="0"/>
-              <a:t>table</a:t>
-            </a:r>
-            <a:r>
-              <a:rPr lang="pl-PL" dirty="0" smtClean="0"/>
+              <a:t>of rows added is more than a dynamic percentage of total rows. With a small table</a:t>
+            </a:r>
+            <a:r>
+              <a:rPr lang="pl-PL" dirty="0"/>
               <a:t> </a:t>
             </a:r>
             <a:r>
-              <a:rPr lang="en-US" dirty="0" smtClean="0"/>
-              <a:t>under </a:t>
-            </a:r>
-            <a:r>
               <a:rPr lang="en-US" dirty="0"/>
-              <a:t>25,000 rows, this percentage is around 20 percent. As the number of rows </a:t>
-            </a:r>
-            <a:r>
-              <a:rPr lang="en-US" dirty="0" smtClean="0"/>
-              <a:t>in</a:t>
-            </a:r>
-            <a:r>
-              <a:rPr lang="pl-PL" dirty="0" smtClean="0"/>
+              <a:t>under 25,000 rows, this percentage is around 20 percent. As the number of rows in</a:t>
+            </a:r>
+            <a:r>
+              <a:rPr lang="pl-PL" dirty="0"/>
               <a:t> </a:t>
             </a:r>
             <a:r>
-              <a:rPr lang="en-US" dirty="0" smtClean="0"/>
-              <a:t>the </a:t>
-            </a:r>
-            <a:r>
               <a:rPr lang="en-US" dirty="0"/>
-              <a:t>table increases, the percentage rate that triggers a statistics update is lower</a:t>
-            </a:r>
-            <a:r>
-              <a:rPr lang="en-US" dirty="0" smtClean="0"/>
-              <a:t>.</a:t>
+              <a:t>the table increases, the percentage rate that triggers a statistics update is lower.</a:t>
             </a:r>
             <a:endParaRPr lang="pl-PL" dirty="0"/>
           </a:p>
@@ -4990,7 +5000,7 @@
           <a:lstStyle/>
           <a:p>
             <a:r>
-              <a:rPr lang="en-US" smtClean="0"/>
+              <a:rPr lang="en-US"/>
               <a:t>Developing SQL Databases</a:t>
             </a:r>
             <a:endParaRPr lang="pl-PL" dirty="0"/>
@@ -5007,13 +5017,6 @@
   <p:clrMapOvr>
     <a:masterClrMapping/>
   </p:clrMapOvr>
-  <p:timing>
-    <p:tnLst>
-      <p:par>
-        <p:cTn id="1" dur="indefinite" restart="never" nodeType="tmRoot"/>
-      </p:par>
-    </p:tnLst>
-  </p:timing>
 </p:sld>
 </file>
 
@@ -5216,7 +5219,7 @@
           <a:lstStyle/>
           <a:p>
             <a:r>
-              <a:rPr lang="en-US" smtClean="0"/>
+              <a:rPr lang="en-US"/>
               <a:t>Developing SQL Databases</a:t>
             </a:r>
             <a:endParaRPr lang="pl-PL" dirty="0"/>
@@ -5233,13 +5236,6 @@
   <p:clrMapOvr>
     <a:masterClrMapping/>
   </p:clrMapOvr>
-  <p:timing>
-    <p:tnLst>
-      <p:par>
-        <p:cTn id="1" dur="indefinite" restart="never" nodeType="tmRoot"/>
-      </p:par>
-    </p:tnLst>
-  </p:timing>
 </p:sld>
 </file>
 
@@ -5335,12 +5331,8 @@
               <a:t>and supported with appropriate indexes. </a:t>
             </a:r>
             <a:r>
-              <a:rPr lang="en-US" dirty="0" smtClean="0"/>
-              <a:t>Before </a:t>
-            </a:r>
-            <a:r>
               <a:rPr lang="en-US" dirty="0"/>
-              <a:t>you use query hints, update the</a:t>
+              <a:t>Before you use query hints, update the</a:t>
             </a:r>
             <a:r>
               <a:rPr lang="pl-PL" dirty="0"/>
@@ -5410,13 +5402,9 @@
             </a:r>
             <a:r>
               <a:rPr lang="en-US" dirty="0"/>
-              <a:t>a </a:t>
-            </a:r>
-            <a:r>
-              <a:rPr lang="en-US" dirty="0" smtClean="0"/>
-              <a:t>lot.</a:t>
-            </a:r>
-            <a:endParaRPr lang="pl-PL" dirty="0" smtClean="0"/>
+              <a:t>a lot.</a:t>
+            </a:r>
+            <a:endParaRPr lang="pl-PL" dirty="0"/>
           </a:p>
           <a:p>
             <a:pPr marL="285750" indent="-285750">
@@ -5424,12 +5412,8 @@
               <a:buChar char="•"/>
             </a:pPr>
             <a:r>
-              <a:rPr lang="en-US" b="1" dirty="0" smtClean="0"/>
-              <a:t>After </a:t>
-            </a:r>
-            <a:r>
               <a:rPr lang="en-US" b="1" dirty="0"/>
-              <a:t>an upgrade from a previous version of SQL Server. </a:t>
+              <a:t>After an upgrade from a previous version of SQL Server. </a:t>
             </a:r>
             <a:r>
               <a:rPr lang="en-US" dirty="0"/>
@@ -5476,7 +5460,7 @@
           <a:lstStyle/>
           <a:p>
             <a:r>
-              <a:rPr lang="en-US" smtClean="0"/>
+              <a:rPr lang="en-US"/>
               <a:t>Developing SQL Databases</a:t>
             </a:r>
             <a:endParaRPr lang="pl-PL" dirty="0"/>
@@ -5493,13 +5477,6 @@
   <p:clrMapOvr>
     <a:masterClrMapping/>
   </p:clrMapOvr>
-  <p:timing>
-    <p:tnLst>
-      <p:par>
-        <p:cTn id="1" dur="indefinite" restart="never" nodeType="tmRoot"/>
-      </p:par>
-    </p:tnLst>
-  </p:timing>
 </p:sld>
 </file>
 
@@ -5529,7 +5506,7 @@
         <p:spPr>
           <a:xfrm>
             <a:off x="489706" y="624631"/>
-            <a:ext cx="10374037" cy="1446550"/>
+            <a:ext cx="10374037" cy="5478423"/>
           </a:xfrm>
           <a:prstGeom prst="rect">
             <a:avLst/>
@@ -5543,8 +5520,16 @@
           <a:lstStyle/>
           <a:p>
             <a:r>
-              <a:rPr lang="pl-PL" sz="2800" b="1" dirty="0" smtClean="0"/>
-              <a:t>LINKS:</a:t>
+              <a:rPr lang="pl-PL" sz="2800" b="1" dirty="0" err="1"/>
+              <a:t>Incremental</a:t>
+            </a:r>
+            <a:r>
+              <a:rPr lang="pl-PL" sz="2800" b="1" dirty="0"/>
+              <a:t> </a:t>
+            </a:r>
+            <a:r>
+              <a:rPr lang="pl-PL" sz="2800" b="1" dirty="0" err="1"/>
+              <a:t>Statistics</a:t>
             </a:r>
             <a:endParaRPr lang="en-US" sz="2800" b="1" dirty="0"/>
           </a:p>
@@ -5553,35 +5538,117 @@
           </a:p>
           <a:p>
             <a:r>
-              <a:rPr lang="en-US" sz="1400" dirty="0"/>
-              <a:t>https://www.red-gate.com/simple-talk/sql/performance/sql-server-statistics-basics</a:t>
-            </a:r>
-            <a:r>
-              <a:rPr lang="en-US" sz="1400" dirty="0" smtClean="0"/>
-              <a:t>/</a:t>
-            </a:r>
-            <a:endParaRPr lang="pl-PL" sz="1400" dirty="0" smtClean="0"/>
-          </a:p>
-          <a:p>
-            <a:r>
-              <a:rPr lang="pl-PL" sz="1400" dirty="0"/>
-              <a:t>https://pl.seequality.net/kilka-slow-o-statistics-io-statistics-time</a:t>
-            </a:r>
-            <a:r>
-              <a:rPr lang="pl-PL" sz="1400" dirty="0" smtClean="0"/>
-              <a:t>/</a:t>
-            </a:r>
-          </a:p>
-          <a:p>
-            <a:r>
-              <a:rPr lang="pl-PL" sz="1400" dirty="0"/>
-              <a:t>https://</a:t>
-            </a:r>
-            <a:r>
-              <a:rPr lang="pl-PL" sz="1400" dirty="0" smtClean="0"/>
-              <a:t>www.databasejournal.com/features/mssql/importance-of-statistics-and-how-it-works-in-sql-server-part-1.html</a:t>
-            </a:r>
-            <a:endParaRPr lang="pl-PL" sz="1400" dirty="0"/>
+              <a:rPr lang="en-US" sz="1600" dirty="0"/>
+              <a:t>When </a:t>
+            </a:r>
+            <a:r>
+              <a:rPr lang="en-US" sz="1600" b="1" dirty="0"/>
+              <a:t>INCREMENTAL</a:t>
+            </a:r>
+            <a:r>
+              <a:rPr lang="en-US" sz="1600" dirty="0"/>
+              <a:t> option of CREATE STATISTICS is ON, the statistics created are </a:t>
+            </a:r>
+            <a:r>
+              <a:rPr lang="en-US" sz="1600" b="1" dirty="0"/>
+              <a:t>per partition statistics</a:t>
+            </a:r>
+            <a:r>
+              <a:rPr lang="en-US" sz="1600" dirty="0"/>
+              <a:t>. When OFF, the statistics tree is dropped and SQL Server re-computes the statistics. The default is OFF. This setting overrides the database level INCREMENTAL property.</a:t>
+            </a:r>
+          </a:p>
+          <a:p>
+            <a:endParaRPr lang="en-US" sz="1600" dirty="0"/>
+          </a:p>
+          <a:p>
+            <a:r>
+              <a:rPr lang="en-US" sz="1600" dirty="0"/>
+              <a:t>When new partitions are added to a large table, statistics should be updated to include the new partitions. However the time required to scan the entire table (FULLSCAN or SAMPLE option) might be quite long. Also, scanning the entire table isn't necessary because only the statistics on the new partitions might be needed. The incremental option creates and stores statistics on a per partition basis, and when updated, only refreshes statistics on those partitions that need new statistics</a:t>
+            </a:r>
+          </a:p>
+          <a:p>
+            <a:endParaRPr lang="en-US" sz="1600" dirty="0"/>
+          </a:p>
+          <a:p>
+            <a:r>
+              <a:rPr lang="en-US" sz="1600" dirty="0"/>
+              <a:t>Incremental stats are not supported for following statistics types:</a:t>
+            </a:r>
+          </a:p>
+          <a:p>
+            <a:endParaRPr lang="en-US" sz="1600" dirty="0"/>
+          </a:p>
+          <a:p>
+            <a:pPr marL="742950" lvl="1" indent="-285750">
+              <a:buFont typeface="Arial" panose="020B0604020202020204" pitchFamily="34" charset="0"/>
+              <a:buChar char="•"/>
+            </a:pPr>
+            <a:r>
+              <a:rPr lang="en-US" sz="1600" dirty="0"/>
+              <a:t>Statistics created with indexes that are not partition-aligned with the base table.</a:t>
+            </a:r>
+          </a:p>
+          <a:p>
+            <a:pPr marL="742950" lvl="1" indent="-285750">
+              <a:buFont typeface="Arial" panose="020B0604020202020204" pitchFamily="34" charset="0"/>
+              <a:buChar char="•"/>
+            </a:pPr>
+            <a:r>
+              <a:rPr lang="en-US" sz="1600" dirty="0"/>
+              <a:t>Statistics created on Always On readable secondary databases.</a:t>
+            </a:r>
+          </a:p>
+          <a:p>
+            <a:pPr marL="742950" lvl="1" indent="-285750">
+              <a:buFont typeface="Arial" panose="020B0604020202020204" pitchFamily="34" charset="0"/>
+              <a:buChar char="•"/>
+            </a:pPr>
+            <a:r>
+              <a:rPr lang="en-US" sz="1600" dirty="0"/>
+              <a:t>Statistics created on read-only databases.</a:t>
+            </a:r>
+          </a:p>
+          <a:p>
+            <a:pPr marL="742950" lvl="1" indent="-285750">
+              <a:buFont typeface="Arial" panose="020B0604020202020204" pitchFamily="34" charset="0"/>
+              <a:buChar char="•"/>
+            </a:pPr>
+            <a:r>
+              <a:rPr lang="en-US" sz="1600" dirty="0"/>
+              <a:t>Statistics created on filtered indexes.</a:t>
+            </a:r>
+          </a:p>
+          <a:p>
+            <a:pPr marL="742950" lvl="1" indent="-285750">
+              <a:buFont typeface="Arial" panose="020B0604020202020204" pitchFamily="34" charset="0"/>
+              <a:buChar char="•"/>
+            </a:pPr>
+            <a:r>
+              <a:rPr lang="en-US" sz="1600" dirty="0"/>
+              <a:t>Statistics created on views.</a:t>
+            </a:r>
+          </a:p>
+          <a:p>
+            <a:pPr marL="742950" lvl="1" indent="-285750">
+              <a:buFont typeface="Arial" panose="020B0604020202020204" pitchFamily="34" charset="0"/>
+              <a:buChar char="•"/>
+            </a:pPr>
+            <a:r>
+              <a:rPr lang="en-US" sz="1600" dirty="0"/>
+              <a:t>Statistics created on internal tables.</a:t>
+            </a:r>
+          </a:p>
+          <a:p>
+            <a:pPr marL="742950" lvl="1" indent="-285750">
+              <a:buFont typeface="Arial" panose="020B0604020202020204" pitchFamily="34" charset="0"/>
+              <a:buChar char="•"/>
+            </a:pPr>
+            <a:r>
+              <a:rPr lang="en-US" sz="1600" dirty="0"/>
+              <a:t>Statistics created with spatial indexes or XML indexes.</a:t>
+            </a:r>
+            <a:endParaRPr lang="pl-PL" dirty="0"/>
           </a:p>
         </p:txBody>
       </p:sp>
@@ -5606,7 +5673,7 @@
           <a:lstStyle/>
           <a:p>
             <a:r>
-              <a:rPr lang="en-US" smtClean="0"/>
+              <a:rPr lang="en-US"/>
               <a:t>Developing SQL Databases</a:t>
             </a:r>
             <a:endParaRPr lang="pl-PL" dirty="0"/>
@@ -5616,20 +5683,13 @@
     </p:spTree>
     <p:extLst>
       <p:ext uri="{BB962C8B-B14F-4D97-AF65-F5344CB8AC3E}">
-        <p14:creationId xmlns:p14="http://schemas.microsoft.com/office/powerpoint/2010/main" val="738907645"/>
+        <p14:creationId xmlns:p14="http://schemas.microsoft.com/office/powerpoint/2010/main" val="74962120"/>
       </p:ext>
     </p:extLst>
   </p:cSld>
   <p:clrMapOvr>
     <a:masterClrMapping/>
   </p:clrMapOvr>
-  <p:timing>
-    <p:tnLst>
-      <p:par>
-        <p:cTn id="1" dur="indefinite" restart="never" nodeType="tmRoot"/>
-      </p:par>
-    </p:tnLst>
-  </p:timing>
 </p:sld>
 </file>
 

--- a/DEVSQL_12_StatisticsAndJOINS/DEVSQL_12A_Statistics.pptx
+++ b/DEVSQL_12_StatisticsAndJOINS/DEVSQL_12A_Statistics.pptx
@@ -229,7 +229,7 @@
           <a:p>
             <a:fld id="{A72FB546-F199-4B4F-99BF-57E72CB8BE0D}" type="datetimeFigureOut">
               <a:rPr lang="en-GB" smtClean="0"/>
-              <a:t>21/11/2018</a:t>
+              <a:t>14/12/2018</a:t>
             </a:fld>
             <a:endParaRPr lang="en-GB"/>
           </a:p>
@@ -805,7 +805,7 @@
           <a:p>
             <a:fld id="{7E6511AE-6BCB-4398-BD1D-05D3C2F0054D}" type="datetime1">
               <a:rPr lang="en-US" smtClean="0"/>
-              <a:t>11/21/2018</a:t>
+              <a:t>12/14/2018</a:t>
             </a:fld>
             <a:endParaRPr lang="en-US" dirty="0"/>
           </a:p>
@@ -980,7 +980,7 @@
           <a:p>
             <a:fld id="{E827D97C-24C0-4B5C-A80E-40B39BAAE63F}" type="datetime1">
               <a:rPr lang="en-US" smtClean="0"/>
-              <a:t>11/21/2018</a:t>
+              <a:t>12/14/2018</a:t>
             </a:fld>
             <a:endParaRPr lang="en-US" dirty="0"/>
           </a:p>
@@ -1164,7 +1164,7 @@
           <a:p>
             <a:fld id="{FE028B01-4AE9-4A0A-B62F-5725ABC501C9}" type="datetime1">
               <a:rPr lang="en-US" smtClean="0"/>
-              <a:t>11/21/2018</a:t>
+              <a:t>12/14/2018</a:t>
             </a:fld>
             <a:endParaRPr lang="en-US" dirty="0"/>
           </a:p>
@@ -1338,7 +1338,7 @@
           <a:p>
             <a:fld id="{39EA180A-DC18-44AA-B9F3-A0200DF07BA4}" type="datetime1">
               <a:rPr lang="en-US" smtClean="0"/>
-              <a:t>11/21/2018</a:t>
+              <a:t>12/14/2018</a:t>
             </a:fld>
             <a:endParaRPr lang="en-US" dirty="0"/>
           </a:p>
@@ -1600,7 +1600,7 @@
           <a:p>
             <a:fld id="{25161C3B-B11B-40E4-B871-625D84AA5354}" type="datetime1">
               <a:rPr lang="en-US" smtClean="0"/>
-              <a:t>11/21/2018</a:t>
+              <a:t>12/14/2018</a:t>
             </a:fld>
             <a:endParaRPr lang="en-US" dirty="0"/>
           </a:p>
@@ -1893,7 +1893,7 @@
           <a:p>
             <a:fld id="{52C5C65C-1186-419E-BFAD-013A26325DC4}" type="datetime1">
               <a:rPr lang="en-US" smtClean="0"/>
-              <a:t>11/21/2018</a:t>
+              <a:t>12/14/2018</a:t>
             </a:fld>
             <a:endParaRPr lang="en-US" dirty="0"/>
           </a:p>
@@ -2339,7 +2339,7 @@
           <a:p>
             <a:fld id="{E742CAA8-724E-40CD-8301-50632B6CF5B7}" type="datetime1">
               <a:rPr lang="en-US" smtClean="0"/>
-              <a:t>11/21/2018</a:t>
+              <a:t>12/14/2018</a:t>
             </a:fld>
             <a:endParaRPr lang="en-US" dirty="0"/>
           </a:p>
@@ -2461,7 +2461,7 @@
           <a:p>
             <a:fld id="{6BDDD29F-7E21-4B7A-8AE9-71115E9235FB}" type="datetime1">
               <a:rPr lang="en-US" smtClean="0"/>
-              <a:t>11/21/2018</a:t>
+              <a:t>12/14/2018</a:t>
             </a:fld>
             <a:endParaRPr lang="en-US" dirty="0"/>
           </a:p>
@@ -2560,7 +2560,7 @@
           <a:p>
             <a:fld id="{33705AA8-CCD5-46E2-B301-A8811435A645}" type="datetime1">
               <a:rPr lang="en-US" smtClean="0"/>
-              <a:t>11/21/2018</a:t>
+              <a:t>12/14/2018</a:t>
             </a:fld>
             <a:endParaRPr lang="en-US" dirty="0"/>
           </a:p>
@@ -2852,7 +2852,7 @@
           <a:p>
             <a:fld id="{3BE9C1F3-7BBF-43EF-A558-DABF3AA9DF34}" type="datetime1">
               <a:rPr lang="en-US" smtClean="0"/>
-              <a:t>11/21/2018</a:t>
+              <a:t>12/14/2018</a:t>
             </a:fld>
             <a:endParaRPr lang="en-US" dirty="0"/>
           </a:p>
@@ -3130,7 +3130,7 @@
           <a:p>
             <a:fld id="{4773B028-36EF-4728-A777-B9C9CEDF1F0B}" type="datetime1">
               <a:rPr lang="en-US" smtClean="0"/>
-              <a:t>11/21/2018</a:t>
+              <a:t>12/14/2018</a:t>
             </a:fld>
             <a:endParaRPr lang="en-US" dirty="0"/>
           </a:p>
@@ -3432,7 +3432,7 @@
           <a:p>
             <a:fld id="{0CAAE83D-2D07-4431-B231-DBDFEB77BE3B}" type="datetime1">
               <a:rPr lang="en-US" smtClean="0"/>
-              <a:t>11/21/2018</a:t>
+              <a:t>12/14/2018</a:t>
             </a:fld>
             <a:endParaRPr lang="en-US" dirty="0"/>
           </a:p>
@@ -4009,7 +4009,7 @@
         <p:spPr>
           <a:xfrm>
             <a:off x="489706" y="624631"/>
-            <a:ext cx="10374037" cy="1446550"/>
+            <a:ext cx="10374037" cy="1661993"/>
           </a:xfrm>
           <a:prstGeom prst="rect">
             <a:avLst/>
@@ -4033,22 +4033,45 @@
           </a:p>
           <a:p>
             <a:r>
-              <a:rPr lang="en-US" sz="1400" dirty="0"/>
+              <a:rPr lang="en-US" sz="1400" dirty="0">
+                <a:hlinkClick r:id="rId2"/>
+              </a:rPr>
               <a:t>https://www.red-gate.com/simple-talk/sql/performance/sql-server-statistics-basics/</a:t>
             </a:r>
             <a:endParaRPr lang="pl-PL" sz="1400" dirty="0"/>
           </a:p>
           <a:p>
             <a:r>
-              <a:rPr lang="pl-PL" sz="1400" dirty="0"/>
+              <a:rPr lang="pl-PL" sz="1400" dirty="0">
+                <a:hlinkClick r:id="rId3"/>
+              </a:rPr>
               <a:t>https://pl.seequality.net/kilka-slow-o-statistics-io-statistics-time/</a:t>
             </a:r>
-          </a:p>
-          <a:p>
-            <a:r>
-              <a:rPr lang="pl-PL" sz="1400" dirty="0"/>
+            <a:endParaRPr lang="pl-PL" sz="1400" dirty="0"/>
+          </a:p>
+          <a:p>
+            <a:r>
+              <a:rPr lang="pl-PL" sz="1400" dirty="0">
+                <a:hlinkClick r:id="rId4"/>
+              </a:rPr>
               <a:t>https://www.databasejournal.com/features/mssql/importance-of-statistics-and-how-it-works-in-sql-server-part-1.html</a:t>
             </a:r>
+            <a:endParaRPr lang="pl-PL" sz="1400" dirty="0"/>
+          </a:p>
+          <a:p>
+            <a:r>
+              <a:rPr lang="pl-PL" sz="1400" dirty="0">
+                <a:hlinkClick r:id="rId5"/>
+              </a:rPr>
+              <a:t>https://sqlperformance.com/2014/02/sql-statistics</a:t>
+            </a:r>
+            <a:r>
+              <a:rPr lang="pl-PL" sz="1400">
+                <a:hlinkClick r:id="rId5"/>
+              </a:rPr>
+              <a:t>/2014-incremental-statistics</a:t>
+            </a:r>
+            <a:endParaRPr lang="pl-PL" sz="1400" dirty="0"/>
           </a:p>
         </p:txBody>
       </p:sp>
